--- a/Prezentacija Milos Milosevic.pptx
+++ b/Prezentacija Milos Milosevic.pptx
@@ -115,6 +115,22 @@
       </a:defRPr>
     </a:lvl9pPr>
   </p:defaultTextStyle>
+  <p:extLst>
+    <p:ext uri="{EFAFB233-063F-42B5-8137-9DF3F51BA10A}">
+      <p15:sldGuideLst xmlns:p15="http://schemas.microsoft.com/office/powerpoint/2012/main">
+        <p15:guide id="1" orient="horz" pos="2160">
+          <p15:clr>
+            <a:srgbClr val="A4A3A4"/>
+          </p15:clr>
+        </p15:guide>
+        <p15:guide id="2" pos="2880">
+          <p15:clr>
+            <a:srgbClr val="A4A3A4"/>
+          </p15:clr>
+        </p15:guide>
+      </p15:sldGuideLst>
+    </p:ext>
+  </p:extLst>
 </p:presentation>
 </file>
 
@@ -299,7 +315,7 @@
           <a:p>
             <a:fld id="{E682BB68-FC89-46B1-9F61-0074A4DCE6B7}" type="datetimeFigureOut">
               <a:rPr lang="en-US" smtClean="0"/>
-              <a:t>9/7/2018</a:t>
+              <a:t>07-Sep-18</a:t>
             </a:fld>
             <a:endParaRPr lang="en-US"/>
           </a:p>
@@ -469,7 +485,7 @@
           <a:p>
             <a:fld id="{E682BB68-FC89-46B1-9F61-0074A4DCE6B7}" type="datetimeFigureOut">
               <a:rPr lang="en-US" smtClean="0"/>
-              <a:t>9/7/2018</a:t>
+              <a:t>07-Sep-18</a:t>
             </a:fld>
             <a:endParaRPr lang="en-US"/>
           </a:p>
@@ -649,7 +665,7 @@
           <a:p>
             <a:fld id="{E682BB68-FC89-46B1-9F61-0074A4DCE6B7}" type="datetimeFigureOut">
               <a:rPr lang="en-US" smtClean="0"/>
-              <a:t>9/7/2018</a:t>
+              <a:t>07-Sep-18</a:t>
             </a:fld>
             <a:endParaRPr lang="en-US"/>
           </a:p>
@@ -819,7 +835,7 @@
           <a:p>
             <a:fld id="{E682BB68-FC89-46B1-9F61-0074A4DCE6B7}" type="datetimeFigureOut">
               <a:rPr lang="en-US" smtClean="0"/>
-              <a:t>9/7/2018</a:t>
+              <a:t>07-Sep-18</a:t>
             </a:fld>
             <a:endParaRPr lang="en-US"/>
           </a:p>
@@ -1065,7 +1081,7 @@
           <a:p>
             <a:fld id="{E682BB68-FC89-46B1-9F61-0074A4DCE6B7}" type="datetimeFigureOut">
               <a:rPr lang="en-US" smtClean="0"/>
-              <a:t>9/7/2018</a:t>
+              <a:t>07-Sep-18</a:t>
             </a:fld>
             <a:endParaRPr lang="en-US"/>
           </a:p>
@@ -1353,7 +1369,7 @@
           <a:p>
             <a:fld id="{E682BB68-FC89-46B1-9F61-0074A4DCE6B7}" type="datetimeFigureOut">
               <a:rPr lang="en-US" smtClean="0"/>
-              <a:t>9/7/2018</a:t>
+              <a:t>07-Sep-18</a:t>
             </a:fld>
             <a:endParaRPr lang="en-US"/>
           </a:p>
@@ -1775,7 +1791,7 @@
           <a:p>
             <a:fld id="{E682BB68-FC89-46B1-9F61-0074A4DCE6B7}" type="datetimeFigureOut">
               <a:rPr lang="en-US" smtClean="0"/>
-              <a:t>9/7/2018</a:t>
+              <a:t>07-Sep-18</a:t>
             </a:fld>
             <a:endParaRPr lang="en-US"/>
           </a:p>
@@ -1893,7 +1909,7 @@
           <a:p>
             <a:fld id="{E682BB68-FC89-46B1-9F61-0074A4DCE6B7}" type="datetimeFigureOut">
               <a:rPr lang="en-US" smtClean="0"/>
-              <a:t>9/7/2018</a:t>
+              <a:t>07-Sep-18</a:t>
             </a:fld>
             <a:endParaRPr lang="en-US"/>
           </a:p>
@@ -1988,7 +2004,7 @@
           <a:p>
             <a:fld id="{E682BB68-FC89-46B1-9F61-0074A4DCE6B7}" type="datetimeFigureOut">
               <a:rPr lang="en-US" smtClean="0"/>
-              <a:t>9/7/2018</a:t>
+              <a:t>07-Sep-18</a:t>
             </a:fld>
             <a:endParaRPr lang="en-US"/>
           </a:p>
@@ -2265,7 +2281,7 @@
           <a:p>
             <a:fld id="{E682BB68-FC89-46B1-9F61-0074A4DCE6B7}" type="datetimeFigureOut">
               <a:rPr lang="en-US" smtClean="0"/>
-              <a:t>9/7/2018</a:t>
+              <a:t>07-Sep-18</a:t>
             </a:fld>
             <a:endParaRPr lang="en-US"/>
           </a:p>
@@ -2518,7 +2534,7 @@
           <a:p>
             <a:fld id="{E682BB68-FC89-46B1-9F61-0074A4DCE6B7}" type="datetimeFigureOut">
               <a:rPr lang="en-US" smtClean="0"/>
-              <a:t>9/7/2018</a:t>
+              <a:t>07-Sep-18</a:t>
             </a:fld>
             <a:endParaRPr lang="en-US"/>
           </a:p>
@@ -2583,9 +2599,19 @@
 <p:sldMaster xmlns:a="http://schemas.openxmlformats.org/drawingml/2006/main" xmlns:r="http://schemas.openxmlformats.org/officeDocument/2006/relationships" xmlns:p="http://schemas.openxmlformats.org/presentationml/2006/main">
   <p:cSld>
     <p:bg>
-      <p:bgRef idx="1001">
-        <a:schemeClr val="bg1"/>
-      </p:bgRef>
+      <p:bgPr>
+        <a:blipFill dpi="0" rotWithShape="1">
+          <a:blip r:embed="rId13">
+            <a:alphaModFix amt="50000"/>
+            <a:lum/>
+          </a:blip>
+          <a:srcRect/>
+          <a:stretch>
+            <a:fillRect l="-20000" t="25000"/>
+          </a:stretch>
+        </a:blipFill>
+        <a:effectLst/>
+      </p:bgPr>
     </p:bg>
     <p:spTree>
       <p:nvGrpSpPr>
@@ -2731,7 +2757,7 @@
           <a:p>
             <a:fld id="{E682BB68-FC89-46B1-9F61-0074A4DCE6B7}" type="datetimeFigureOut">
               <a:rPr lang="en-US" smtClean="0"/>
-              <a:t>9/7/2018</a:t>
+              <a:t>07-Sep-18</a:t>
             </a:fld>
             <a:endParaRPr lang="en-US"/>
           </a:p>
@@ -3118,7 +3144,7 @@
         </p:nvSpPr>
         <p:spPr bwMode="blackWhite">
           <a:xfrm>
-            <a:off x="228600" y="2781300"/>
+            <a:off x="228600" y="2514120"/>
             <a:ext cx="8686800" cy="1829761"/>
           </a:xfrm>
         </p:spPr>
@@ -3138,13 +3164,7 @@
               <a:rPr lang="ru-RU" sz="3200" b="0" dirty="0" smtClean="0">
                 <a:effectLst/>
               </a:rPr>
-              <a:t>линија </a:t>
-            </a:r>
-            <a:r>
-              <a:rPr lang="ru-RU" sz="3200" b="0" dirty="0" smtClean="0">
-                <a:effectLst/>
-              </a:rPr>
-              <a:t>коловозних </a:t>
+              <a:t>линија коловозних </a:t>
             </a:r>
             <a:r>
               <a:rPr lang="ru-RU" sz="3200" b="0" dirty="0">
@@ -3156,19 +3176,7 @@
               <a:rPr lang="ru-RU" sz="3200" b="0" dirty="0" smtClean="0">
                 <a:effectLst/>
               </a:rPr>
-              <a:t>на основу </a:t>
-            </a:r>
-            <a:r>
-              <a:rPr lang="ru-RU" sz="3200" b="0" dirty="0" smtClean="0">
-                <a:effectLst/>
-              </a:rPr>
-              <a:t>снимка </a:t>
-            </a:r>
-            <a:r>
-              <a:rPr lang="ru-RU" sz="3200" b="0" dirty="0" smtClean="0">
-                <a:effectLst/>
-              </a:rPr>
-              <a:t>са камере на ветробранском стаклу</a:t>
+              <a:t>на основу снимка са камере на ветробранском стаклу</a:t>
             </a:r>
             <a:endParaRPr lang="en-US" sz="3200" b="0" dirty="0">
               <a:effectLst/>
@@ -3210,14 +3218,14 @@
             <a:r>
               <a:rPr lang="sr-Cyrl-RS" sz="1800" dirty="0">
                 <a:solidFill>
-                  <a:schemeClr val="tx2"/>
+                  <a:schemeClr val="tx1"/>
                 </a:solidFill>
               </a:rPr>
               <a:t>Кандидат:</a:t>
             </a:r>
             <a:endParaRPr lang="en-US" sz="1800" dirty="0">
               <a:solidFill>
-                <a:schemeClr val="tx2"/>
+                <a:schemeClr val="tx1"/>
               </a:solidFill>
             </a:endParaRPr>
           </a:p>
@@ -3234,7 +3242,7 @@
             <a:r>
               <a:rPr lang="sr-Cyrl-RS" sz="1800" dirty="0">
                 <a:solidFill>
-                  <a:schemeClr val="tx2"/>
+                  <a:schemeClr val="tx1"/>
                 </a:solidFill>
               </a:rPr>
               <a:t>Милош Милошевић 3186/2016</a:t>
@@ -3256,7 +3264,7 @@
         </p:blipFill>
         <p:spPr>
           <a:xfrm>
-            <a:off x="381000" y="304800"/>
+            <a:off x="595721" y="304800"/>
             <a:ext cx="1685925" cy="1983105"/>
           </a:xfrm>
           <a:prstGeom prst="rect">
@@ -3293,42 +3301,22 @@
               <a:buSzPct val="68000"/>
             </a:pPr>
             <a:r>
-              <a:rPr lang="en-US" dirty="0" err="1" smtClean="0">
-                <a:solidFill>
-                  <a:schemeClr val="tx2"/>
-                </a:solidFill>
-              </a:rPr>
+              <a:rPr lang="en-US" dirty="0" err="1" smtClean="0"/>
               <a:t>Универзитет</a:t>
             </a:r>
             <a:r>
-              <a:rPr lang="en-US" dirty="0" smtClean="0">
-                <a:solidFill>
-                  <a:schemeClr val="tx2"/>
-                </a:solidFill>
-              </a:rPr>
+              <a:rPr lang="en-US" dirty="0" smtClean="0"/>
               <a:t> </a:t>
             </a:r>
             <a:r>
-              <a:rPr lang="en-US" dirty="0">
-                <a:solidFill>
-                  <a:schemeClr val="tx2"/>
-                </a:solidFill>
-              </a:rPr>
+              <a:rPr lang="en-US" dirty="0"/>
               <a:t>у </a:t>
             </a:r>
             <a:r>
-              <a:rPr lang="en-US" dirty="0" err="1" smtClean="0">
-                <a:solidFill>
-                  <a:schemeClr val="tx2"/>
-                </a:solidFill>
-              </a:rPr>
+              <a:rPr lang="en-US" dirty="0" err="1" smtClean="0"/>
               <a:t>Београду</a:t>
             </a:r>
-            <a:endParaRPr lang="en-US" dirty="0" smtClean="0">
-              <a:solidFill>
-                <a:schemeClr val="tx2"/>
-              </a:solidFill>
-            </a:endParaRPr>
+            <a:endParaRPr lang="en-US" dirty="0" smtClean="0"/>
           </a:p>
           <a:p>
             <a:pPr marR="64008" algn="ctr">
@@ -3338,34 +3326,18 @@
               <a:buSzPct val="68000"/>
             </a:pPr>
             <a:r>
-              <a:rPr lang="en-US" dirty="0" err="1">
-                <a:solidFill>
-                  <a:schemeClr val="tx2"/>
-                </a:solidFill>
-              </a:rPr>
+              <a:rPr lang="en-US" dirty="0" err="1"/>
               <a:t>Eлектротехнички</a:t>
             </a:r>
             <a:r>
-              <a:rPr lang="en-US" dirty="0">
-                <a:solidFill>
-                  <a:schemeClr val="tx2"/>
-                </a:solidFill>
-              </a:rPr>
+              <a:rPr lang="en-US" dirty="0"/>
               <a:t> </a:t>
             </a:r>
             <a:r>
-              <a:rPr lang="en-US" dirty="0" err="1">
-                <a:solidFill>
-                  <a:schemeClr val="tx2"/>
-                </a:solidFill>
-              </a:rPr>
+              <a:rPr lang="en-US" dirty="0" err="1"/>
               <a:t>факултет</a:t>
             </a:r>
-            <a:endParaRPr lang="en-US" dirty="0">
-              <a:solidFill>
-                <a:schemeClr val="tx2"/>
-              </a:solidFill>
-            </a:endParaRPr>
+            <a:endParaRPr lang="en-US" dirty="0"/>
           </a:p>
           <a:p>
             <a:pPr marR="64008" algn="ctr">
@@ -3375,26 +3347,10 @@
               <a:buSzPct val="68000"/>
             </a:pPr>
             <a:r>
-              <a:rPr lang="sr-Cyrl-RS" dirty="0" smtClean="0">
-                <a:solidFill>
-                  <a:schemeClr val="tx2"/>
-                </a:solidFill>
-              </a:rPr>
-              <a:t>Катедра за сигнале и </a:t>
-            </a:r>
-            <a:r>
-              <a:rPr lang="sr-Cyrl-RS" dirty="0" smtClean="0">
-                <a:solidFill>
-                  <a:schemeClr val="tx2"/>
-                </a:solidFill>
-              </a:rPr>
-              <a:t>системе</a:t>
-            </a:r>
-            <a:endParaRPr lang="en-US" dirty="0" smtClean="0">
-              <a:solidFill>
-                <a:schemeClr val="tx2"/>
-              </a:solidFill>
-            </a:endParaRPr>
+              <a:rPr lang="sr-Cyrl-RS" dirty="0" smtClean="0"/>
+              <a:t>Катедра за сигнале и системе</a:t>
+            </a:r>
+            <a:endParaRPr lang="en-US" dirty="0" smtClean="0"/>
           </a:p>
         </p:txBody>
       </p:sp>
@@ -3406,7 +3362,7 @@
         </p:nvSpPr>
         <p:spPr>
           <a:xfrm>
-            <a:off x="2286000" y="2162770"/>
+            <a:off x="2286000" y="1752600"/>
             <a:ext cx="4572000" cy="646331"/>
           </a:xfrm>
           <a:prstGeom prst="rect">
@@ -3430,18 +3386,10 @@
               <a:buSzPct val="68000"/>
             </a:pPr>
             <a:r>
-              <a:rPr lang="sr-Cyrl-RS" sz="3600" dirty="0" smtClean="0">
-                <a:solidFill>
-                  <a:schemeClr val="tx2"/>
-                </a:solidFill>
-              </a:rPr>
+              <a:rPr lang="sr-Cyrl-RS" sz="3600" dirty="0" smtClean="0"/>
               <a:t>Мастер рад</a:t>
             </a:r>
-            <a:endParaRPr lang="en-US" sz="3600" dirty="0" smtClean="0">
-              <a:solidFill>
-                <a:schemeClr val="tx2"/>
-              </a:solidFill>
-            </a:endParaRPr>
+            <a:endParaRPr lang="en-US" sz="3600" dirty="0" smtClean="0"/>
           </a:p>
         </p:txBody>
       </p:sp>
@@ -3639,17 +3587,24 @@
           <a:p>
             <a:pPr algn="l"/>
             <a:r>
-              <a:rPr lang="sr-Cyrl-RS" sz="1800" dirty="0" smtClean="0"/>
+              <a:rPr lang="sr-Cyrl-RS" sz="1800" dirty="0" smtClean="0">
+                <a:solidFill>
+                  <a:schemeClr val="tx1"/>
+                </a:solidFill>
+              </a:rPr>
               <a:t>Ментор:</a:t>
             </a:r>
           </a:p>
           <a:p>
             <a:pPr algn="l"/>
             <a:r>
-              <a:rPr lang="sr-Cyrl-RS" sz="1800" dirty="0" smtClean="0"/>
+              <a:rPr lang="sr-Cyrl-RS" sz="1800" dirty="0" smtClean="0">
+                <a:solidFill>
+                  <a:schemeClr val="tx1"/>
+                </a:solidFill>
+              </a:rPr>
               <a:t>Проф. др Вељко Папић</a:t>
             </a:r>
-            <a:endParaRPr lang="sr-Cyrl-RS" sz="1800" dirty="0" smtClean="0"/>
           </a:p>
         </p:txBody>
       </p:sp>
@@ -3685,11 +3640,7 @@
               <a:buSzPct val="68000"/>
             </a:pPr>
             <a:r>
-              <a:rPr lang="sr-Cyrl-RS" dirty="0" smtClean="0">
-                <a:solidFill>
-                  <a:schemeClr val="tx2"/>
-                </a:solidFill>
-              </a:rPr>
+              <a:rPr lang="sr-Cyrl-RS" dirty="0" smtClean="0"/>
               <a:t>Београд, септембар 2018.</a:t>
             </a:r>
           </a:p>
@@ -3705,6 +3656,18 @@
   <p:clrMapOvr>
     <a:masterClrMapping/>
   </p:clrMapOvr>
+  <mc:AlternateContent xmlns:mc="http://schemas.openxmlformats.org/markup-compatibility/2006" xmlns:p14="http://schemas.microsoft.com/office/powerpoint/2010/main">
+    <mc:Choice Requires="p14">
+      <p:transition spd="med" p14:dur="700">
+        <p:fade/>
+      </p:transition>
+    </mc:Choice>
+    <mc:Fallback xmlns="">
+      <p:transition spd="med">
+        <p:fade/>
+      </p:transition>
+    </mc:Fallback>
+  </mc:AlternateContent>
   <p:timing>
     <p:tnLst>
       <p:par>
@@ -3817,6 +3780,18 @@
   <p:clrMapOvr>
     <a:masterClrMapping/>
   </p:clrMapOvr>
+  <mc:AlternateContent xmlns:mc="http://schemas.openxmlformats.org/markup-compatibility/2006" xmlns:p14="http://schemas.microsoft.com/office/powerpoint/2010/main">
+    <mc:Choice Requires="p14">
+      <p:transition spd="med" p14:dur="700">
+        <p:fade/>
+      </p:transition>
+    </mc:Choice>
+    <mc:Fallback xmlns="">
+      <p:transition spd="med">
+        <p:fade/>
+      </p:transition>
+    </mc:Fallback>
+  </mc:AlternateContent>
   <p:timing>
     <p:tnLst>
       <p:par>
@@ -4257,6 +4232,18 @@
   <p:clrMapOvr>
     <a:masterClrMapping/>
   </p:clrMapOvr>
+  <mc:AlternateContent xmlns:mc="http://schemas.openxmlformats.org/markup-compatibility/2006" xmlns:p14="http://schemas.microsoft.com/office/powerpoint/2010/main">
+    <mc:Choice Requires="p14">
+      <p:transition spd="med" p14:dur="700">
+        <p:fade/>
+      </p:transition>
+    </mc:Choice>
+    <mc:Fallback xmlns="">
+      <p:transition spd="med">
+        <p:fade/>
+      </p:transition>
+    </mc:Fallback>
+  </mc:AlternateContent>
   <p:timing>
     <p:tnLst>
       <p:par>
@@ -4683,6 +4670,18 @@
   <p:clrMapOvr>
     <a:masterClrMapping/>
   </p:clrMapOvr>
+  <mc:AlternateContent xmlns:mc="http://schemas.openxmlformats.org/markup-compatibility/2006" xmlns:p14="http://schemas.microsoft.com/office/powerpoint/2010/main">
+    <mc:Choice Requires="p14">
+      <p:transition spd="med" p14:dur="700">
+        <p:fade/>
+      </p:transition>
+    </mc:Choice>
+    <mc:Fallback xmlns="">
+      <p:transition spd="med">
+        <p:fade/>
+      </p:transition>
+    </mc:Fallback>
+  </mc:AlternateContent>
   <p:timing>
     <p:tnLst>
       <p:par>
@@ -4968,6 +4967,18 @@
   <p:clrMapOvr>
     <a:masterClrMapping/>
   </p:clrMapOvr>
+  <mc:AlternateContent xmlns:mc="http://schemas.openxmlformats.org/markup-compatibility/2006" xmlns:p14="http://schemas.microsoft.com/office/powerpoint/2010/main">
+    <mc:Choice Requires="p14">
+      <p:transition spd="med" p14:dur="700">
+        <p:fade/>
+      </p:transition>
+    </mc:Choice>
+    <mc:Fallback xmlns="">
+      <p:transition spd="med">
+        <p:fade/>
+      </p:transition>
+    </mc:Fallback>
+  </mc:AlternateContent>
   <p:timing>
     <p:tnLst>
       <p:par>
@@ -5089,7 +5100,6 @@
               <a:rPr lang="sr-Cyrl-RS" sz="1600" dirty="0" smtClean="0"/>
               <a:t>библиотеке</a:t>
             </a:r>
-            <a:endParaRPr lang="sr-Cyrl-RS" sz="1600" dirty="0" smtClean="0"/>
           </a:p>
           <a:p>
             <a:pPr marL="566928" indent="-457200" algn="just"/>
@@ -5111,6 +5121,18 @@
   <p:clrMapOvr>
     <a:masterClrMapping/>
   </p:clrMapOvr>
+  <mc:AlternateContent xmlns:mc="http://schemas.openxmlformats.org/markup-compatibility/2006" xmlns:p14="http://schemas.microsoft.com/office/powerpoint/2010/main">
+    <mc:Choice Requires="p14">
+      <p:transition spd="med" p14:dur="700">
+        <p:fade/>
+      </p:transition>
+    </mc:Choice>
+    <mc:Fallback xmlns="">
+      <p:transition spd="med">
+        <p:fade/>
+      </p:transition>
+    </mc:Fallback>
+  </mc:AlternateContent>
   <p:timing>
     <p:tnLst>
       <p:par>
@@ -5147,7 +5169,7 @@
                                         <p:tgtEl>
                                           <p:spTgt spid="2">
                                             <p:txEl>
-                                              <p:pRg st="3" end="3"/>
+                                              <p:pRg st="0" end="0"/>
                                             </p:txEl>
                                           </p:spTgt>
                                         </p:tgtEl>
@@ -5165,7 +5187,7 @@
                                         <p:tgtEl>
                                           <p:spTgt spid="2">
                                             <p:txEl>
-                                              <p:pRg st="3" end="3"/>
+                                              <p:pRg st="0" end="0"/>
                                             </p:txEl>
                                           </p:spTgt>
                                         </p:tgtEl>
@@ -5208,7 +5230,7 @@
                                         <p:tgtEl>
                                           <p:spTgt spid="2">
                                             <p:txEl>
-                                              <p:pRg st="0" end="0"/>
+                                              <p:pRg st="3" end="3"/>
                                             </p:txEl>
                                           </p:spTgt>
                                         </p:tgtEl>
@@ -5226,7 +5248,7 @@
                                         <p:tgtEl>
                                           <p:spTgt spid="2">
                                             <p:txEl>
-                                              <p:pRg st="0" end="0"/>
+                                              <p:pRg st="3" end="3"/>
                                             </p:txEl>
                                           </p:spTgt>
                                         </p:tgtEl>
@@ -5235,33 +5257,15 @@
                                   </p:childTnLst>
                                 </p:cTn>
                               </p:par>
-                            </p:childTnLst>
-                          </p:cTn>
-                        </p:par>
-                      </p:childTnLst>
-                    </p:cTn>
-                  </p:par>
-                  <p:par>
-                    <p:cTn id="13" fill="hold">
-                      <p:stCondLst>
-                        <p:cond delay="indefinite"/>
-                      </p:stCondLst>
-                      <p:childTnLst>
-                        <p:par>
-                          <p:cTn id="14" fill="hold">
-                            <p:stCondLst>
-                              <p:cond delay="0"/>
-                            </p:stCondLst>
-                            <p:childTnLst>
                               <p:par>
-                                <p:cTn id="15" presetID="10" presetClass="entr" presetSubtype="0" fill="hold" nodeType="clickEffect">
+                                <p:cTn id="13" presetID="10" presetClass="entr" presetSubtype="0" fill="hold" nodeType="withEffect">
                                   <p:stCondLst>
                                     <p:cond delay="0"/>
                                   </p:stCondLst>
                                   <p:childTnLst>
                                     <p:set>
                                       <p:cBhvr>
-                                        <p:cTn id="16" dur="1" fill="hold">
+                                        <p:cTn id="14" dur="1" fill="hold">
                                           <p:stCondLst>
                                             <p:cond delay="0"/>
                                           </p:stCondLst>
@@ -5283,7 +5287,7 @@
                                     </p:set>
                                     <p:animEffect transition="in" filter="fade">
                                       <p:cBhvr>
-                                        <p:cTn id="17" dur="500"/>
+                                        <p:cTn id="15" dur="500"/>
                                         <p:tgtEl>
                                           <p:spTgt spid="2">
                                             <p:txEl>
@@ -5296,33 +5300,15 @@
                                   </p:childTnLst>
                                 </p:cTn>
                               </p:par>
-                            </p:childTnLst>
-                          </p:cTn>
-                        </p:par>
-                      </p:childTnLst>
-                    </p:cTn>
-                  </p:par>
-                  <p:par>
-                    <p:cTn id="18" fill="hold">
-                      <p:stCondLst>
-                        <p:cond delay="indefinite"/>
-                      </p:stCondLst>
-                      <p:childTnLst>
-                        <p:par>
-                          <p:cTn id="19" fill="hold">
-                            <p:stCondLst>
-                              <p:cond delay="0"/>
-                            </p:stCondLst>
-                            <p:childTnLst>
                               <p:par>
-                                <p:cTn id="20" presetID="10" presetClass="entr" presetSubtype="0" fill="hold" nodeType="clickEffect">
+                                <p:cTn id="16" presetID="10" presetClass="entr" presetSubtype="0" fill="hold" nodeType="withEffect">
                                   <p:stCondLst>
                                     <p:cond delay="0"/>
                                   </p:stCondLst>
                                   <p:childTnLst>
                                     <p:set>
                                       <p:cBhvr>
-                                        <p:cTn id="21" dur="1" fill="hold">
+                                        <p:cTn id="17" dur="1" fill="hold">
                                           <p:stCondLst>
                                             <p:cond delay="0"/>
                                           </p:stCondLst>
@@ -5344,7 +5330,7 @@
                                     </p:set>
                                     <p:animEffect transition="in" filter="fade">
                                       <p:cBhvr>
-                                        <p:cTn id="22" dur="500"/>
+                                        <p:cTn id="18" dur="500"/>
                                         <p:tgtEl>
                                           <p:spTgt spid="2">
                                             <p:txEl>
@@ -5422,7 +5408,11 @@
           <a:p>
             <a:r>
               <a:rPr lang="sr-Cyrl-RS" dirty="0" smtClean="0"/>
-              <a:t>Дијаграм тока програма</a:t>
+              <a:t>Дијаграм </a:t>
+            </a:r>
+            <a:r>
+              <a:rPr lang="sr-Cyrl-RS" dirty="0" smtClean="0"/>
+              <a:t>тока програма</a:t>
             </a:r>
             <a:endParaRPr lang="en-US" dirty="0"/>
           </a:p>
@@ -5457,7 +5447,6 @@
               <a:rPr lang="sr-Cyrl-RS" sz="1200" dirty="0" smtClean="0"/>
               <a:t>Одабир области од значаја</a:t>
             </a:r>
-            <a:endParaRPr lang="sr-Cyrl-RS" sz="1200" dirty="0" smtClean="0"/>
           </a:p>
           <a:p>
             <a:pPr lvl="0"/>
@@ -5547,6 +5536,18 @@
   <p:clrMapOvr>
     <a:masterClrMapping/>
   </p:clrMapOvr>
+  <mc:AlternateContent xmlns:mc="http://schemas.openxmlformats.org/markup-compatibility/2006" xmlns:p14="http://schemas.microsoft.com/office/powerpoint/2010/main">
+    <mc:Choice Requires="p14">
+      <p:transition spd="med" p14:dur="700">
+        <p:fade/>
+      </p:transition>
+    </mc:Choice>
+    <mc:Fallback xmlns="">
+      <p:transition spd="med">
+        <p:fade/>
+      </p:transition>
+    </mc:Fallback>
+  </mc:AlternateContent>
   <p:timing>
     <p:tnLst>
       <p:par>
@@ -6135,14 +6136,12 @@
               <a:rPr lang="sr-Cyrl-RS" sz="1600" dirty="0" smtClean="0"/>
               <a:t>Начин одабира</a:t>
             </a:r>
-            <a:endParaRPr lang="sr-Cyrl-RS" sz="1600" dirty="0" smtClean="0"/>
           </a:p>
           <a:p>
             <a:r>
               <a:rPr lang="sr-Cyrl-RS" sz="1600" dirty="0" smtClean="0"/>
               <a:t>Добри и лоши примери</a:t>
             </a:r>
-            <a:endParaRPr lang="sr-Cyrl-RS" sz="1600" dirty="0" smtClean="0"/>
           </a:p>
           <a:p>
             <a:endParaRPr lang="sr-Cyrl-RS" sz="1600" dirty="0" smtClean="0"/>
@@ -6219,6 +6218,18 @@
   <p:clrMapOvr>
     <a:masterClrMapping/>
   </p:clrMapOvr>
+  <mc:AlternateContent xmlns:mc="http://schemas.openxmlformats.org/markup-compatibility/2006" xmlns:p14="http://schemas.microsoft.com/office/powerpoint/2010/main">
+    <mc:Choice Requires="p14">
+      <p:transition spd="med" p14:dur="700">
+        <p:fade/>
+      </p:transition>
+    </mc:Choice>
+    <mc:Fallback xmlns="">
+      <p:transition spd="med">
+        <p:fade/>
+      </p:transition>
+    </mc:Fallback>
+  </mc:AlternateContent>
   <p:timing>
     <p:tnLst>
       <p:par>
@@ -6496,14 +6507,12 @@
               <a:rPr lang="sr-Cyrl-RS" sz="1600" dirty="0" smtClean="0"/>
               <a:t>Циљ</a:t>
             </a:r>
-            <a:endParaRPr lang="sr-Cyrl-RS" sz="1600" dirty="0" smtClean="0"/>
           </a:p>
           <a:p>
             <a:r>
               <a:rPr lang="sr-Cyrl-RS" sz="1600" dirty="0" smtClean="0"/>
               <a:t>Издвајање беле боје</a:t>
             </a:r>
-            <a:endParaRPr lang="sr-Cyrl-RS" sz="1600" dirty="0" smtClean="0"/>
           </a:p>
           <a:p>
             <a:r>
@@ -6530,6 +6539,18 @@
   <p:clrMapOvr>
     <a:masterClrMapping/>
   </p:clrMapOvr>
+  <mc:AlternateContent xmlns:mc="http://schemas.openxmlformats.org/markup-compatibility/2006" xmlns:p14="http://schemas.microsoft.com/office/powerpoint/2010/main">
+    <mc:Choice Requires="p14">
+      <p:transition spd="med" p14:dur="700">
+        <p:fade/>
+      </p:transition>
+    </mc:Choice>
+    <mc:Fallback xmlns="">
+      <p:transition spd="med">
+        <p:fade/>
+      </p:transition>
+    </mc:Fallback>
+  </mc:AlternateContent>
   <p:timing>
     <p:tnLst>
       <p:par>
@@ -6907,6 +6928,18 @@
   <p:clrMapOvr>
     <a:masterClrMapping/>
   </p:clrMapOvr>
+  <mc:AlternateContent xmlns:mc="http://schemas.openxmlformats.org/markup-compatibility/2006" xmlns:p14="http://schemas.microsoft.com/office/powerpoint/2010/main">
+    <mc:Choice Requires="p14">
+      <p:transition spd="med" p14:dur="700">
+        <p:fade/>
+      </p:transition>
+    </mc:Choice>
+    <mc:Fallback xmlns="">
+      <p:transition spd="med">
+        <p:fade/>
+      </p:transition>
+    </mc:Fallback>
+  </mc:AlternateContent>
   <p:timing>
     <p:tnLst>
       <p:par>
@@ -7347,6 +7380,18 @@
   <p:clrMapOvr>
     <a:masterClrMapping/>
   </p:clrMapOvr>
+  <mc:AlternateContent xmlns:mc="http://schemas.openxmlformats.org/markup-compatibility/2006" xmlns:p14="http://schemas.microsoft.com/office/powerpoint/2010/main">
+    <mc:Choice Requires="p14">
+      <p:transition spd="med" p14:dur="700">
+        <p:fade/>
+      </p:transition>
+    </mc:Choice>
+    <mc:Fallback xmlns="">
+      <p:transition spd="med">
+        <p:fade/>
+      </p:transition>
+    </mc:Fallback>
+  </mc:AlternateContent>
   <p:timing>
     <p:tnLst>
       <p:par>
@@ -7787,6 +7832,18 @@
   <p:clrMapOvr>
     <a:masterClrMapping/>
   </p:clrMapOvr>
+  <mc:AlternateContent xmlns:mc="http://schemas.openxmlformats.org/markup-compatibility/2006" xmlns:p14="http://schemas.microsoft.com/office/powerpoint/2010/main">
+    <mc:Choice Requires="p14">
+      <p:transition spd="med" p14:dur="700">
+        <p:fade/>
+      </p:transition>
+    </mc:Choice>
+    <mc:Fallback xmlns="">
+      <p:transition spd="med">
+        <p:fade/>
+      </p:transition>
+    </mc:Fallback>
+  </mc:AlternateContent>
   <p:timing>
     <p:tnLst>
       <p:par>
